--- a/StrassenAlg/docu/The Strassen Algorithm_v2.pptx
+++ b/StrassenAlg/docu/The Strassen Algorithm_v2.pptx
@@ -5,17 +5,18 @@
     <p:sldMasterId id="2147483846" r:id="rId4"/>
   </p:sldMasterIdLst>
   <p:notesMasterIdLst>
-    <p:notesMasterId r:id="rId10"/>
+    <p:notesMasterId r:id="rId11"/>
   </p:notesMasterIdLst>
   <p:handoutMasterIdLst>
-    <p:handoutMasterId r:id="rId11"/>
+    <p:handoutMasterId r:id="rId12"/>
   </p:handoutMasterIdLst>
   <p:sldIdLst>
     <p:sldId id="256" r:id="rId5"/>
     <p:sldId id="257" r:id="rId6"/>
     <p:sldId id="258" r:id="rId7"/>
     <p:sldId id="259" r:id="rId8"/>
-    <p:sldId id="260" r:id="rId9"/>
+    <p:sldId id="261" r:id="rId9"/>
+    <p:sldId id="260" r:id="rId10"/>
   </p:sldIdLst>
   <p:sldSz cx="12192000" cy="6858000"/>
   <p:notesSz cx="6858000" cy="9144000"/>
@@ -232,7 +233,7 @@
             <a:pPr rtl="0"/>
             <a:fld id="{65C6977A-977A-4368-8F9D-7878DA96615F}" type="datetime1">
               <a:rPr lang="de-DE" smtClean="0"/>
-              <a:t>25.01.2020</a:t>
+              <a:t>27.01.2020</a:t>
             </a:fld>
             <a:endParaRPr lang="de-DE"/>
           </a:p>
@@ -414,7 +415,7 @@
             <a:pPr rtl="0"/>
             <a:fld id="{8C01F35F-49DC-4028-9B2D-6BEE37E29CD7}" type="datetime1">
               <a:rPr lang="de-DE" noProof="0" smtClean="0"/>
-              <a:t>25.01.2020</a:t>
+              <a:t>27.01.2020</a:t>
             </a:fld>
             <a:endParaRPr lang="de-DE" noProof="0"/>
           </a:p>
@@ -990,6 +991,12 @@
               <a:t> kommen</a:t>
             </a:r>
           </a:p>
+          <a:p>
+            <a:r>
+              <a:rPr lang="de-AT" dirty="0"/>
+              <a:t>:Daumen-nach-oben:</a:t>
+            </a:r>
+          </a:p>
         </p:txBody>
       </p:sp>
       <p:sp>
@@ -1223,7 +1230,7 @@
             <a:pPr rtl="0"/>
             <a:fld id="{D085B5E6-9E00-4F32-96FF-298B8A177D37}" type="slidenum">
               <a:rPr lang="de-DE" noProof="0" smtClean="0"/>
-              <a:t>5</a:t>
+              <a:t>6</a:t>
             </a:fld>
             <a:endParaRPr lang="de-DE" noProof="0"/>
           </a:p>
@@ -1392,7 +1399,7 @@
             <a:pPr rtl="0"/>
             <a:fld id="{F8F46549-F8F4-4DE0-9D41-99AA410B6D47}" type="datetime1">
               <a:rPr lang="de-DE" noProof="0" smtClean="0"/>
-              <a:t>25.01.2020</a:t>
+              <a:t>27.01.2020</a:t>
             </a:fld>
             <a:endParaRPr lang="de-DE" noProof="0"/>
           </a:p>
@@ -1596,7 +1603,7 @@
             <a:pPr rtl="0"/>
             <a:fld id="{F921770B-A5E1-4148-B449-0857F71C72D4}" type="datetime1">
               <a:rPr lang="de-DE" noProof="0" smtClean="0"/>
-              <a:t>25.01.2020</a:t>
+              <a:t>27.01.2020</a:t>
             </a:fld>
             <a:endParaRPr lang="de-DE" noProof="0"/>
           </a:p>
@@ -1809,7 +1816,7 @@
             <a:pPr rtl="0"/>
             <a:fld id="{CF6B70F6-785E-405A-A369-AEA86435EDF3}" type="datetime1">
               <a:rPr lang="de-DE" noProof="0" smtClean="0"/>
-              <a:t>25.01.2020</a:t>
+              <a:t>27.01.2020</a:t>
             </a:fld>
             <a:endParaRPr lang="de-DE" noProof="0"/>
           </a:p>
@@ -2012,7 +2019,7 @@
             <a:pPr rtl="0"/>
             <a:fld id="{54065E0F-A7A6-4281-BB9C-34DCBFDE3DB4}" type="datetime1">
               <a:rPr lang="de-DE" noProof="0" smtClean="0"/>
-              <a:t>25.01.2020</a:t>
+              <a:t>27.01.2020</a:t>
             </a:fld>
             <a:endParaRPr lang="de-DE" noProof="0"/>
           </a:p>
@@ -2291,7 +2298,7 @@
             <a:pPr rtl="0"/>
             <a:fld id="{91034517-153D-460C-81D2-8BEA1CCF9ED8}" type="datetime1">
               <a:rPr lang="de-DE" noProof="0" smtClean="0"/>
-              <a:t>25.01.2020</a:t>
+              <a:t>27.01.2020</a:t>
             </a:fld>
             <a:endParaRPr lang="de-DE" noProof="0"/>
           </a:p>
@@ -2564,7 +2571,7 @@
             <a:pPr rtl="0"/>
             <a:fld id="{A2556090-1D16-4AA7-9D7D-1A2BB04B2075}" type="datetime1">
               <a:rPr lang="de-DE" noProof="0" smtClean="0"/>
-              <a:t>25.01.2020</a:t>
+              <a:t>27.01.2020</a:t>
             </a:fld>
             <a:endParaRPr lang="de-DE" noProof="0"/>
           </a:p>
@@ -2982,7 +2989,7 @@
             <a:pPr rtl="0"/>
             <a:fld id="{EE901E48-C6BE-41CA-8D24-F4D89C856293}" type="datetime1">
               <a:rPr lang="de-DE" noProof="0" smtClean="0"/>
-              <a:t>25.01.2020</a:t>
+              <a:t>27.01.2020</a:t>
             </a:fld>
             <a:endParaRPr lang="de-DE" noProof="0"/>
           </a:p>
@@ -3127,7 +3134,7 @@
             <a:pPr rtl="0"/>
             <a:fld id="{F0891DE5-031A-45AE-A632-8881EDEE80CE}" type="datetime1">
               <a:rPr lang="de-DE" noProof="0" smtClean="0"/>
-              <a:t>25.01.2020</a:t>
+              <a:t>27.01.2020</a:t>
             </a:fld>
             <a:endParaRPr lang="de-DE" noProof="0"/>
           </a:p>
@@ -3243,7 +3250,7 @@
             <a:pPr rtl="0"/>
             <a:fld id="{E97EE273-25E2-4D85-9575-094D1B4D9477}" type="datetime1">
               <a:rPr lang="de-DE" noProof="0" smtClean="0"/>
-              <a:t>25.01.2020</a:t>
+              <a:t>27.01.2020</a:t>
             </a:fld>
             <a:endParaRPr lang="de-DE" noProof="0"/>
           </a:p>
@@ -3613,7 +3620,7 @@
             <a:pPr rtl="0"/>
             <a:fld id="{91034517-153D-460C-81D2-8BEA1CCF9ED8}" type="datetime1">
               <a:rPr lang="de-DE" noProof="0" smtClean="0"/>
-              <a:t>25.01.2020</a:t>
+              <a:t>27.01.2020</a:t>
             </a:fld>
             <a:endParaRPr lang="de-DE" noProof="0"/>
           </a:p>
@@ -3907,7 +3914,7 @@
             <a:pPr rtl="0"/>
             <a:fld id="{91034517-153D-460C-81D2-8BEA1CCF9ED8}" type="datetime1">
               <a:rPr lang="de-DE" noProof="0" smtClean="0"/>
-              <a:t>25.01.2020</a:t>
+              <a:t>27.01.2020</a:t>
             </a:fld>
             <a:endParaRPr lang="de-DE" noProof="0"/>
           </a:p>
@@ -4155,7 +4162,7 @@
             <a:pPr rtl="0"/>
             <a:fld id="{91034517-153D-460C-81D2-8BEA1CCF9ED8}" type="datetime1">
               <a:rPr lang="de-DE" noProof="0" smtClean="0"/>
-              <a:t>25.01.2020</a:t>
+              <a:t>27.01.2020</a:t>
             </a:fld>
             <a:endParaRPr lang="de-DE" noProof="0"/>
           </a:p>
@@ -5187,8 +5194,8 @@
           </a:p>
         </p:txBody>
       </p:sp>
-      <mc:AlternateContent xmlns:mc="http://schemas.openxmlformats.org/markup-compatibility/2006">
-        <mc:Choice xmlns:a14="http://schemas.microsoft.com/office/drawing/2010/main" Requires="a14">
+      <mc:AlternateContent xmlns:mc="http://schemas.openxmlformats.org/markup-compatibility/2006" xmlns:a14="http://schemas.microsoft.com/office/drawing/2010/main">
+        <mc:Choice Requires="a14">
           <p:sp>
             <p:nvSpPr>
               <p:cNvPr id="7" name="Textfeld 6">
@@ -5217,6 +5224,7 @@
               </a:bodyPr>
               <a:lstStyle/>
               <a:p>
+                <a:pPr/>
                 <a14:m>
                   <m:oMathPara xmlns:m="http://schemas.openxmlformats.org/officeDocument/2006/math">
                     <m:oMathParaPr>
@@ -5284,7 +5292,7 @@
             </p:txBody>
           </p:sp>
         </mc:Choice>
-        <mc:Fallback>
+        <mc:Fallback xmlns="">
           <p:sp>
             <p:nvSpPr>
               <p:cNvPr id="7" name="Textfeld 6">
@@ -8861,6 +8869,270 @@
       </p:grpSpPr>
       <p:sp>
         <p:nvSpPr>
+          <p:cNvPr id="2" name="Textfeld 1">
+            <a:extLst>
+              <a:ext uri="{FF2B5EF4-FFF2-40B4-BE49-F238E27FC236}">
+                <a16:creationId xmlns:a16="http://schemas.microsoft.com/office/drawing/2014/main" id="{07F17FE6-5F74-402C-A31A-2169555F48B2}"/>
+              </a:ext>
+            </a:extLst>
+          </p:cNvPr>
+          <p:cNvSpPr txBox="1"/>
+          <p:nvPr/>
+        </p:nvSpPr>
+        <p:spPr>
+          <a:xfrm>
+            <a:off x="357257" y="310678"/>
+            <a:ext cx="5507918" cy="769441"/>
+          </a:xfrm>
+          <a:prstGeom prst="rect">
+            <a:avLst/>
+          </a:prstGeom>
+          <a:noFill/>
+        </p:spPr>
+        <p:txBody>
+          <a:bodyPr wrap="none" rtlCol="0">
+            <a:spAutoFit/>
+          </a:bodyPr>
+          <a:lstStyle/>
+          <a:p>
+            <a:r>
+              <a:rPr lang="de-AT" sz="4400" dirty="0">
+                <a:solidFill>
+                  <a:srgbClr val="002060"/>
+                </a:solidFill>
+              </a:rPr>
+              <a:t>The Memory Challenge</a:t>
+            </a:r>
+          </a:p>
+        </p:txBody>
+      </p:sp>
+      <p:pic>
+        <p:nvPicPr>
+          <p:cNvPr id="3" name="Grafik 2">
+            <a:extLst>
+              <a:ext uri="{FF2B5EF4-FFF2-40B4-BE49-F238E27FC236}">
+                <a16:creationId xmlns:a16="http://schemas.microsoft.com/office/drawing/2014/main" id="{049614F3-AB89-4C23-8487-E000059AE978}"/>
+              </a:ext>
+            </a:extLst>
+          </p:cNvPr>
+          <p:cNvPicPr>
+            <a:picLocks noChangeAspect="1"/>
+          </p:cNvPicPr>
+          <p:nvPr/>
+        </p:nvPicPr>
+        <p:blipFill>
+          <a:blip r:embed="rId2"/>
+          <a:stretch>
+            <a:fillRect/>
+          </a:stretch>
+        </p:blipFill>
+        <p:spPr>
+          <a:xfrm>
+            <a:off x="1147917" y="1633286"/>
+            <a:ext cx="2267266" cy="3591426"/>
+          </a:xfrm>
+          <a:prstGeom prst="rect">
+            <a:avLst/>
+          </a:prstGeom>
+        </p:spPr>
+      </p:pic>
+      <p:pic>
+        <p:nvPicPr>
+          <p:cNvPr id="4" name="Grafik 3">
+            <a:extLst>
+              <a:ext uri="{FF2B5EF4-FFF2-40B4-BE49-F238E27FC236}">
+                <a16:creationId xmlns:a16="http://schemas.microsoft.com/office/drawing/2014/main" id="{48421990-93A7-429C-BF09-BC1866A10876}"/>
+              </a:ext>
+            </a:extLst>
+          </p:cNvPr>
+          <p:cNvPicPr>
+            <a:picLocks noChangeAspect="1"/>
+          </p:cNvPicPr>
+          <p:nvPr/>
+        </p:nvPicPr>
+        <p:blipFill>
+          <a:blip r:embed="rId3"/>
+          <a:stretch>
+            <a:fillRect/>
+          </a:stretch>
+        </p:blipFill>
+        <p:spPr>
+          <a:xfrm>
+            <a:off x="4722015" y="1185548"/>
+            <a:ext cx="2286319" cy="4486901"/>
+          </a:xfrm>
+          <a:prstGeom prst="rect">
+            <a:avLst/>
+          </a:prstGeom>
+        </p:spPr>
+      </p:pic>
+      <p:grpSp>
+        <p:nvGrpSpPr>
+          <p:cNvPr id="8" name="Gruppieren 7">
+            <a:extLst>
+              <a:ext uri="{FF2B5EF4-FFF2-40B4-BE49-F238E27FC236}">
+                <a16:creationId xmlns:a16="http://schemas.microsoft.com/office/drawing/2014/main" id="{FC75740A-A8D2-4BFF-AF17-DF0D5E7287A7}"/>
+              </a:ext>
+            </a:extLst>
+          </p:cNvPr>
+          <p:cNvGrpSpPr/>
+          <p:nvPr/>
+        </p:nvGrpSpPr>
+        <p:grpSpPr>
+          <a:xfrm>
+            <a:off x="7678291" y="1760833"/>
+            <a:ext cx="3365792" cy="3814354"/>
+            <a:chOff x="7678291" y="1760833"/>
+            <a:chExt cx="3365792" cy="3814354"/>
+          </a:xfrm>
+        </p:grpSpPr>
+        <p:pic>
+          <p:nvPicPr>
+            <p:cNvPr id="5" name="Grafik 4">
+              <a:extLst>
+                <a:ext uri="{FF2B5EF4-FFF2-40B4-BE49-F238E27FC236}">
+                  <a16:creationId xmlns:a16="http://schemas.microsoft.com/office/drawing/2014/main" id="{FA200A69-C436-412D-A87D-6417C2C739D3}"/>
+                </a:ext>
+              </a:extLst>
+            </p:cNvPr>
+            <p:cNvPicPr>
+              <a:picLocks noChangeAspect="1"/>
+            </p:cNvPicPr>
+            <p:nvPr/>
+          </p:nvPicPr>
+          <p:blipFill>
+            <a:blip r:embed="rId4"/>
+            <a:stretch>
+              <a:fillRect/>
+            </a:stretch>
+          </p:blipFill>
+          <p:spPr>
+            <a:xfrm>
+              <a:off x="7947437" y="1826275"/>
+              <a:ext cx="3044796" cy="1303507"/>
+            </a:xfrm>
+            <a:prstGeom prst="rect">
+              <a:avLst/>
+            </a:prstGeom>
+          </p:spPr>
+        </p:pic>
+        <p:pic>
+          <p:nvPicPr>
+            <p:cNvPr id="6" name="Grafik 5">
+              <a:extLst>
+                <a:ext uri="{FF2B5EF4-FFF2-40B4-BE49-F238E27FC236}">
+                  <a16:creationId xmlns:a16="http://schemas.microsoft.com/office/drawing/2014/main" id="{78BC712A-2975-4DB5-979A-20449F6D68D1}"/>
+                </a:ext>
+              </a:extLst>
+            </p:cNvPr>
+            <p:cNvPicPr>
+              <a:picLocks noChangeAspect="1"/>
+            </p:cNvPicPr>
+            <p:nvPr/>
+          </p:nvPicPr>
+          <p:blipFill>
+            <a:blip r:embed="rId5"/>
+            <a:stretch>
+              <a:fillRect/>
+            </a:stretch>
+          </p:blipFill>
+          <p:spPr>
+            <a:xfrm>
+              <a:off x="7947436" y="3321947"/>
+              <a:ext cx="3096647" cy="2187797"/>
+            </a:xfrm>
+            <a:prstGeom prst="rect">
+              <a:avLst/>
+            </a:prstGeom>
+          </p:spPr>
+        </p:pic>
+        <p:sp>
+          <p:nvSpPr>
+            <p:cNvPr id="7" name="Rechteck 6">
+              <a:extLst>
+                <a:ext uri="{FF2B5EF4-FFF2-40B4-BE49-F238E27FC236}">
+                  <a16:creationId xmlns:a16="http://schemas.microsoft.com/office/drawing/2014/main" id="{BD1A11DE-478D-453F-B73E-CED648D43657}"/>
+                </a:ext>
+              </a:extLst>
+            </p:cNvPr>
+            <p:cNvSpPr/>
+            <p:nvPr/>
+          </p:nvSpPr>
+          <p:spPr>
+            <a:xfrm>
+              <a:off x="7678291" y="1760833"/>
+              <a:ext cx="45719" cy="3814354"/>
+            </a:xfrm>
+            <a:prstGeom prst="rect">
+              <a:avLst/>
+            </a:prstGeom>
+            <a:solidFill>
+              <a:srgbClr val="002060"/>
+            </a:solidFill>
+            <a:ln>
+              <a:solidFill>
+                <a:srgbClr val="002060"/>
+              </a:solidFill>
+            </a:ln>
+          </p:spPr>
+          <p:style>
+            <a:lnRef idx="2">
+              <a:schemeClr val="accent1">
+                <a:shade val="50000"/>
+              </a:schemeClr>
+            </a:lnRef>
+            <a:fillRef idx="1">
+              <a:schemeClr val="accent1"/>
+            </a:fillRef>
+            <a:effectRef idx="0">
+              <a:schemeClr val="accent1"/>
+            </a:effectRef>
+            <a:fontRef idx="minor">
+              <a:schemeClr val="lt1"/>
+            </a:fontRef>
+          </p:style>
+          <p:txBody>
+            <a:bodyPr rtlCol="0" anchor="ctr"/>
+            <a:lstStyle/>
+            <a:p>
+              <a:pPr algn="ctr"/>
+              <a:endParaRPr lang="de-AT"/>
+            </a:p>
+          </p:txBody>
+        </p:sp>
+      </p:grpSp>
+    </p:spTree>
+    <p:extLst>
+      <p:ext uri="{BB962C8B-B14F-4D97-AF65-F5344CB8AC3E}">
+        <p14:creationId xmlns:p14="http://schemas.microsoft.com/office/powerpoint/2010/main" val="2909298375"/>
+      </p:ext>
+    </p:extLst>
+  </p:cSld>
+  <p:clrMapOvr>
+    <a:masterClrMapping/>
+  </p:clrMapOvr>
+</p:sld>
+</file>
+
+<file path=ppt/slides/slide6.xml><?xml version="1.0" encoding="utf-8"?>
+<p:sld xmlns:a="http://schemas.openxmlformats.org/drawingml/2006/main" xmlns:r="http://schemas.openxmlformats.org/officeDocument/2006/relationships" xmlns:p="http://schemas.openxmlformats.org/presentationml/2006/main">
+  <p:cSld>
+    <p:spTree>
+      <p:nvGrpSpPr>
+        <p:cNvPr id="1" name=""/>
+        <p:cNvGrpSpPr/>
+        <p:nvPr/>
+      </p:nvGrpSpPr>
+      <p:grpSpPr>
+        <a:xfrm>
+          <a:off x="0" y="0"/>
+          <a:ext cx="0" cy="0"/>
+          <a:chOff x="0" y="0"/>
+          <a:chExt cx="0" cy="0"/>
+        </a:xfrm>
+      </p:grpSpPr>
+      <p:sp>
+        <p:nvSpPr>
           <p:cNvPr id="12" name="Rechteck: abgerundete Ecken 11">
             <a:extLst>
               <a:ext uri="{FF2B5EF4-FFF2-40B4-BE49-F238E27FC236}">
@@ -8957,56 +9229,12 @@
           </a:p>
         </p:txBody>
       </p:sp>
-      <p:sp>
-        <p:nvSpPr>
-          <p:cNvPr id="4" name="Textfeld 3">
-            <a:extLst>
-              <a:ext uri="{FF2B5EF4-FFF2-40B4-BE49-F238E27FC236}">
-                <a16:creationId xmlns:a16="http://schemas.microsoft.com/office/drawing/2014/main" id="{BD6C22D7-F14F-44AB-A18F-0AECF64D6DE4}"/>
-              </a:ext>
-            </a:extLst>
-          </p:cNvPr>
-          <p:cNvSpPr txBox="1"/>
-          <p:nvPr/>
-        </p:nvSpPr>
-        <p:spPr>
-          <a:xfrm>
-            <a:off x="7648167" y="2783112"/>
-            <a:ext cx="1583703" cy="584775"/>
-          </a:xfrm>
-          <a:prstGeom prst="rect">
-            <a:avLst/>
-          </a:prstGeom>
-          <a:noFill/>
-        </p:spPr>
-        <p:txBody>
-          <a:bodyPr wrap="none" rtlCol="0">
-            <a:spAutoFit/>
-          </a:bodyPr>
-          <a:lstStyle/>
-          <a:p>
-            <a:r>
-              <a:rPr lang="de-AT" sz="3200" dirty="0" err="1">
-                <a:solidFill>
-                  <a:srgbClr val="002060"/>
-                </a:solidFill>
-              </a:rPr>
-              <a:t>Strassen</a:t>
-            </a:r>
-            <a:endParaRPr lang="de-AT" sz="3200" dirty="0">
-              <a:solidFill>
-                <a:srgbClr val="002060"/>
-              </a:solidFill>
-            </a:endParaRPr>
-          </a:p>
-        </p:txBody>
-      </p:sp>
       <p:pic>
         <p:nvPicPr>
-          <p:cNvPr id="5" name="Grafik 4" descr="Ein Bild, das Text, Karte enthält.&#10;&#10;Automatisch generierte Beschreibung">
-            <a:extLst>
-              <a:ext uri="{FF2B5EF4-FFF2-40B4-BE49-F238E27FC236}">
-                <a16:creationId xmlns:a16="http://schemas.microsoft.com/office/drawing/2014/main" id="{AD559CAF-E0DC-419F-8D99-226142C133F0}"/>
+          <p:cNvPr id="6" name="Grafik 5" descr="Ein Bild, das Text, Karte enthält.&#10;&#10;Automatisch generierte Beschreibung">
+            <a:extLst>
+              <a:ext uri="{FF2B5EF4-FFF2-40B4-BE49-F238E27FC236}">
+                <a16:creationId xmlns:a16="http://schemas.microsoft.com/office/drawing/2014/main" id="{48D5D188-38EE-4579-BD52-C90D8FF8D9B0}"/>
               </a:ext>
             </a:extLst>
           </p:cNvPr>
@@ -9015,15 +9243,46 @@
           </p:cNvPicPr>
           <p:nvPr/>
         </p:nvPicPr>
-        <p:blipFill rotWithShape="1">
+        <p:blipFill>
           <a:blip r:embed="rId3"/>
-          <a:srcRect l="3313" t="7573" r="2649" b="5585"/>
-          <a:stretch/>
+          <a:stretch>
+            <a:fillRect/>
+          </a:stretch>
         </p:blipFill>
         <p:spPr>
           <a:xfrm>
-            <a:off x="603848" y="1731034"/>
-            <a:ext cx="4986069" cy="4604584"/>
+            <a:off x="2721533" y="1461084"/>
+            <a:ext cx="6748933" cy="5061700"/>
+          </a:xfrm>
+          <a:prstGeom prst="rect">
+            <a:avLst/>
+          </a:prstGeom>
+        </p:spPr>
+      </p:pic>
+      <p:pic>
+        <p:nvPicPr>
+          <p:cNvPr id="8" name="Grafik 7" descr="Ein Bild, das Text, Karte enthält.&#10;&#10;Automatisch generierte Beschreibung">
+            <a:extLst>
+              <a:ext uri="{FF2B5EF4-FFF2-40B4-BE49-F238E27FC236}">
+                <a16:creationId xmlns:a16="http://schemas.microsoft.com/office/drawing/2014/main" id="{3B468661-17AC-4D98-B6AC-C4ADDD35A28B}"/>
+              </a:ext>
+            </a:extLst>
+          </p:cNvPr>
+          <p:cNvPicPr>
+            <a:picLocks noChangeAspect="1"/>
+          </p:cNvPicPr>
+          <p:nvPr/>
+        </p:nvPicPr>
+        <p:blipFill>
+          <a:blip r:embed="rId4"/>
+          <a:stretch>
+            <a:fillRect/>
+          </a:stretch>
+        </p:blipFill>
+        <p:spPr>
+          <a:xfrm>
+            <a:off x="2721533" y="1436546"/>
+            <a:ext cx="6748933" cy="5061700"/>
           </a:xfrm>
           <a:prstGeom prst="rect">
             <a:avLst/>
@@ -9040,6 +9299,81 @@
   <p:clrMapOvr>
     <a:masterClrMapping/>
   </p:clrMapOvr>
+  <p:timing>
+    <p:tnLst>
+      <p:par>
+        <p:cTn id="1" dur="indefinite" restart="never" nodeType="tmRoot">
+          <p:childTnLst>
+            <p:seq concurrent="1" nextAc="seek">
+              <p:cTn id="2" dur="indefinite" nodeType="mainSeq">
+                <p:childTnLst>
+                  <p:par>
+                    <p:cTn id="3" fill="hold">
+                      <p:stCondLst>
+                        <p:cond delay="indefinite"/>
+                      </p:stCondLst>
+                      <p:childTnLst>
+                        <p:par>
+                          <p:cTn id="4" fill="hold">
+                            <p:stCondLst>
+                              <p:cond delay="0"/>
+                            </p:stCondLst>
+                            <p:childTnLst>
+                              <p:par>
+                                <p:cTn id="5" presetID="1" presetClass="entr" presetSubtype="0" fill="hold" nodeType="clickEffect">
+                                  <p:stCondLst>
+                                    <p:cond delay="1000"/>
+                                  </p:stCondLst>
+                                  <p:childTnLst>
+                                    <p:set>
+                                      <p:cBhvr>
+                                        <p:cTn id="6" dur="1" fill="hold">
+                                          <p:stCondLst>
+                                            <p:cond delay="0"/>
+                                          </p:stCondLst>
+                                        </p:cTn>
+                                        <p:tgtEl>
+                                          <p:spTgt spid="8"/>
+                                        </p:tgtEl>
+                                        <p:attrNameLst>
+                                          <p:attrName>style.visibility</p:attrName>
+                                        </p:attrNameLst>
+                                      </p:cBhvr>
+                                      <p:to>
+                                        <p:strVal val="visible"/>
+                                      </p:to>
+                                    </p:set>
+                                  </p:childTnLst>
+                                </p:cTn>
+                              </p:par>
+                            </p:childTnLst>
+                          </p:cTn>
+                        </p:par>
+                      </p:childTnLst>
+                    </p:cTn>
+                  </p:par>
+                </p:childTnLst>
+              </p:cTn>
+              <p:prevCondLst>
+                <p:cond evt="onPrev" delay="0">
+                  <p:tgtEl>
+                    <p:sldTgt/>
+                  </p:tgtEl>
+                </p:cond>
+              </p:prevCondLst>
+              <p:nextCondLst>
+                <p:cond evt="onNext" delay="0">
+                  <p:tgtEl>
+                    <p:sldTgt/>
+                  </p:tgtEl>
+                </p:cond>
+              </p:nextCondLst>
+            </p:seq>
+          </p:childTnLst>
+        </p:cTn>
+      </p:par>
+    </p:tnLst>
+  </p:timing>
 </p:sld>
 </file>
 
